--- a/ET_Workshop/Poster_Breitbild_TobiiGlasses_Workshop.pptx
+++ b/ET_Workshop/Poster_Breitbild_TobiiGlasses_Workshop.pptx
@@ -277,7 +277,7 @@
               <a:pPr>
                 <a:defRPr/>
               </a:pPr>
-              <a:t>14.09.2020</a:t>
+              <a:t>15.09.2020</a:t>
             </a:fld>
             <a:endParaRPr lang="de-DE" altLang="de-DE" dirty="0">
               <a:latin typeface="Arial" panose="020B0604020202020204" pitchFamily="34" charset="0"/>
@@ -507,7 +507,7 @@
               <a:pPr>
                 <a:defRPr/>
               </a:pPr>
-              <a:t>14.09.2020</a:t>
+              <a:t>15.09.2020</a:t>
             </a:fld>
             <a:endParaRPr lang="de-DE" altLang="de-DE" dirty="0"/>
           </a:p>
@@ -7009,8 +7009,8 @@
         </p:nvSpPr>
         <p:spPr bwMode="auto">
           <a:xfrm>
-            <a:off x="2559989" y="750787"/>
-            <a:ext cx="5724805" cy="610493"/>
+            <a:off x="2383833" y="814092"/>
+            <a:ext cx="6584011" cy="610493"/>
           </a:xfrm>
         </p:spPr>
         <p:txBody>
@@ -7194,7 +7194,7 @@
         </p:nvSpPr>
         <p:spPr>
           <a:xfrm>
-            <a:off x="129092" y="1256931"/>
+            <a:off x="129092" y="1282945"/>
             <a:ext cx="8401722" cy="2462213"/>
           </a:xfrm>
           <a:prstGeom prst="rect">
@@ -7336,7 +7336,7 @@
           </a:p>
           <a:p>
             <a:pPr algn="just"/>
-            <a:endParaRPr lang="de-DE" sz="1100" dirty="0">
+            <a:endParaRPr lang="de-DE" sz="800" dirty="0">
               <a:latin typeface="Futura Medium" panose="020B0602020204020303" pitchFamily="34" charset="-79"/>
               <a:cs typeface="Futura Medium" panose="020B0602020204020303" pitchFamily="34" charset="-79"/>
             </a:endParaRPr>
@@ -7396,21 +7396,7 @@
                 <a:latin typeface="Futura Medium" panose="020B0602020204020303" pitchFamily="34" charset="-79"/>
                 <a:cs typeface="Futura Medium" panose="020B0602020204020303" pitchFamily="34" charset="-79"/>
               </a:rPr>
-              <a:t> durchführen oder planen, nicht jedoch für das Arbeiten mit stationärem Eyetracking. Um die Analysen im Workshop praktisch nachzuvollziehen, ist es notwendig, </a:t>
-            </a:r>
-            <a:r>
-              <a:rPr lang="de-DE" sz="1100" dirty="0" err="1">
-                <a:latin typeface="Futura Medium" panose="020B0602020204020303" pitchFamily="34" charset="-79"/>
-                <a:cs typeface="Futura Medium" panose="020B0602020204020303" pitchFamily="34" charset="-79"/>
-              </a:rPr>
-              <a:t>Matlab</a:t>
-            </a:r>
-            <a:r>
-              <a:rPr lang="de-DE" sz="1100" dirty="0">
-                <a:latin typeface="Futura Medium" panose="020B0602020204020303" pitchFamily="34" charset="-79"/>
-                <a:cs typeface="Futura Medium" panose="020B0602020204020303" pitchFamily="34" charset="-79"/>
-              </a:rPr>
-              <a:t> (frei verfügbar für MitarbeiterInnen der Universität Leipzig) und die Open-Source-Software </a:t>
+              <a:t> durchführen oder planen, nicht jedoch für das Arbeiten mit stationärem Eyetracking. Um die Analysen im Workshop praktisch nachzuvollziehen, ist es notwendig, MATLAB (frei verfügbar für MitarbeiterInnen der Universität Leipzig) und die Open-Source-Software </a:t>
             </a:r>
             <a:r>
               <a:rPr lang="de-DE" sz="1100" dirty="0" err="1">
@@ -7424,26 +7410,12 @@
                 <a:latin typeface="Futura Medium" panose="020B0602020204020303" pitchFamily="34" charset="-79"/>
                 <a:cs typeface="Futura Medium" panose="020B0602020204020303" pitchFamily="34" charset="-79"/>
               </a:rPr>
-              <a:t> Viewer und Gaze Code im Vorfeld auf einem eigenen Rechner zu installieren. Ein eigener </a:t>
-            </a:r>
-            <a:r>
-              <a:rPr lang="de-DE" sz="1100" dirty="0" err="1">
-                <a:latin typeface="Futura Medium" panose="020B0602020204020303" pitchFamily="34" charset="-79"/>
-                <a:cs typeface="Futura Medium" panose="020B0602020204020303" pitchFamily="34" charset="-79"/>
-              </a:rPr>
-              <a:t>Github</a:t>
-            </a:r>
-            <a:r>
-              <a:rPr lang="de-DE" sz="1100" dirty="0">
-                <a:latin typeface="Futura Medium" panose="020B0602020204020303" pitchFamily="34" charset="-79"/>
-                <a:cs typeface="Futura Medium" panose="020B0602020204020303" pitchFamily="34" charset="-79"/>
-              </a:rPr>
-              <a:t>-Account ist hilfreich. Der Workshop wird in englischer Sprache gehalten.</a:t>
+              <a:t> Viewer und Gaze Code im Vorfeld auf einem eigenen Rechner zu installieren. Ein eigener GitHub-Account ist hilfreich. Der Workshop wird in englischer Sprache gehalten.</a:t>
             </a:r>
           </a:p>
           <a:p>
             <a:pPr algn="just"/>
-            <a:endParaRPr lang="de-DE" sz="1100" dirty="0">
+            <a:endParaRPr lang="de-DE" sz="800" dirty="0">
               <a:latin typeface="Futura Medium" panose="020B0602020204020303" pitchFamily="34" charset="-79"/>
               <a:cs typeface="Futura Medium" panose="020B0602020204020303" pitchFamily="34" charset="-79"/>
             </a:endParaRPr>
@@ -7520,8 +7492,8 @@
         </p:nvSpPr>
         <p:spPr>
           <a:xfrm>
-            <a:off x="129092" y="3786032"/>
-            <a:ext cx="8220578" cy="900246"/>
+            <a:off x="129092" y="3677786"/>
+            <a:ext cx="7959314" cy="900246"/>
           </a:xfrm>
           <a:prstGeom prst="rect">
             <a:avLst/>
@@ -7622,7 +7594,7 @@
               <a:t> Pro Glasses 2 </a:t>
             </a:r>
             <a:r>
-              <a:rPr lang="en-US" sz="1000" i="1" dirty="0">
+              <a:rPr lang="en-US" sz="900" i="1" dirty="0">
                 <a:latin typeface="Futura Medium" panose="020B0602020204020303" pitchFamily="34" charset="-79"/>
                 <a:cs typeface="Futura Medium" panose="020B0602020204020303" pitchFamily="34" charset="-79"/>
               </a:rPr>
@@ -7663,7 +7635,7 @@
               <a:t> </a:t>
             </a:r>
             <a:r>
-              <a:rPr lang="en-US" sz="1000" i="1" dirty="0">
+              <a:rPr lang="en-US" sz="900" i="1" dirty="0">
                 <a:latin typeface="Futura Medium" panose="020B0602020204020303" pitchFamily="34" charset="-79"/>
                 <a:cs typeface="Futura Medium" panose="020B0602020204020303" pitchFamily="34" charset="-79"/>
               </a:rPr>
@@ -7722,28 +7694,28 @@
               <a:t> </a:t>
             </a:r>
             <a:r>
-              <a:rPr lang="en-US" sz="1000" i="1" dirty="0" err="1">
+              <a:rPr lang="en-US" sz="900" i="1" dirty="0" err="1">
                 <a:latin typeface="Futura Medium" panose="020B0602020204020303" pitchFamily="34" charset="-79"/>
                 <a:cs typeface="Futura Medium" panose="020B0602020204020303" pitchFamily="34" charset="-79"/>
               </a:rPr>
               <a:t>Diederick</a:t>
             </a:r>
             <a:r>
-              <a:rPr lang="en-US" sz="1000" i="1" dirty="0">
+              <a:rPr lang="en-US" sz="900" i="1" dirty="0">
                 <a:latin typeface="Futura Medium" panose="020B0602020204020303" pitchFamily="34" charset="-79"/>
                 <a:cs typeface="Futura Medium" panose="020B0602020204020303" pitchFamily="34" charset="-79"/>
               </a:rPr>
               <a:t> C. </a:t>
             </a:r>
             <a:r>
-              <a:rPr lang="en-US" sz="1000" i="1" dirty="0" err="1">
+              <a:rPr lang="en-US" sz="900" i="1" dirty="0" err="1">
                 <a:latin typeface="Futura Medium" panose="020B0602020204020303" pitchFamily="34" charset="-79"/>
                 <a:cs typeface="Futura Medium" panose="020B0602020204020303" pitchFamily="34" charset="-79"/>
               </a:rPr>
               <a:t>Niehorster</a:t>
             </a:r>
             <a:r>
-              <a:rPr lang="en-US" sz="1000" i="1" dirty="0">
+              <a:rPr lang="en-US" sz="900" i="1" dirty="0">
                 <a:latin typeface="Futura Medium" panose="020B0602020204020303" pitchFamily="34" charset="-79"/>
                 <a:cs typeface="Futura Medium" panose="020B0602020204020303" pitchFamily="34" charset="-79"/>
               </a:rPr>
@@ -7770,8 +7742,8 @@
         </p:nvSpPr>
         <p:spPr>
           <a:xfrm>
-            <a:off x="129092" y="4726436"/>
-            <a:ext cx="5562152" cy="430887"/>
+            <a:off x="129092" y="4623090"/>
+            <a:ext cx="5562152" cy="469359"/>
           </a:xfrm>
           <a:prstGeom prst="rect">
             <a:avLst/>
@@ -7784,25 +7756,17 @@
           <a:lstStyle/>
           <a:p>
             <a:r>
-              <a:rPr lang="en-GB" sz="1000" b="1" i="1" dirty="0" err="1">
-                <a:solidFill>
-                  <a:srgbClr val="262A31"/>
-                </a:solidFill>
-              </a:rPr>
+              <a:rPr lang="en-GB" sz="1050" b="1" i="1" dirty="0" err="1"/>
               <a:t>Ansprechpersonen</a:t>
             </a:r>
             <a:r>
-              <a:rPr lang="en-GB" sz="1000" b="1" dirty="0">
-                <a:solidFill>
-                  <a:srgbClr val="262A31"/>
-                </a:solidFill>
-              </a:rPr>
+              <a:rPr lang="en-GB" sz="1050" b="1" i="1" dirty="0"/>
               <a:t>:</a:t>
             </a:r>
           </a:p>
           <a:p>
             <a:r>
-              <a:rPr lang="en-GB" sz="1000" dirty="0" err="1">
+              <a:rPr lang="en-GB" sz="1050" dirty="0" err="1">
                 <a:solidFill>
                   <a:srgbClr val="262A31"/>
                 </a:solidFill>
@@ -7810,7 +7774,7 @@
               <a:t>Dr.</a:t>
             </a:r>
             <a:r>
-              <a:rPr lang="en-GB" sz="1000" dirty="0">
+              <a:rPr lang="en-GB" sz="1050" dirty="0">
                 <a:solidFill>
                   <a:srgbClr val="262A31"/>
                 </a:solidFill>
@@ -7818,7 +7782,7 @@
               <a:t> Gregor Kachel (gregor.kachel@uni-leipzig.de) </a:t>
             </a:r>
             <a:r>
-              <a:rPr lang="en-GB" sz="1200" b="1" dirty="0">
+              <a:rPr lang="en-GB" sz="1400" b="1" dirty="0">
                 <a:solidFill>
                   <a:srgbClr val="262A31"/>
                 </a:solidFill>
@@ -7826,14 +7790,14 @@
               <a:t>∙ </a:t>
             </a:r>
             <a:r>
-              <a:rPr lang="en-GB" sz="1000" dirty="0">
+              <a:rPr lang="en-GB" sz="1050" dirty="0">
                 <a:solidFill>
                   <a:srgbClr val="262A31"/>
                 </a:solidFill>
               </a:rPr>
               <a:t>Mandy Klatt (mandy.klatt@uni-leipzig.de)</a:t>
             </a:r>
-            <a:endParaRPr lang="en-GB" sz="1050" dirty="0">
+            <a:endParaRPr lang="en-GB" sz="1100" dirty="0">
               <a:solidFill>
                 <a:srgbClr val="262A31"/>
               </a:solidFill>
@@ -7855,8 +7819,8 @@
         </p:nvSpPr>
         <p:spPr>
           <a:xfrm>
-            <a:off x="7240960" y="4495603"/>
-            <a:ext cx="2217420" cy="892552"/>
+            <a:off x="7153554" y="4495603"/>
+            <a:ext cx="2217420" cy="954107"/>
           </a:xfrm>
           <a:prstGeom prst="rect">
             <a:avLst/>
@@ -7870,7 +7834,7 @@
           <a:lstStyle/>
           <a:p>
             <a:r>
-              <a:rPr lang="en-GB" sz="1600" i="1" dirty="0" err="1">
+              <a:rPr lang="en-GB" i="1" dirty="0" err="1">
                 <a:solidFill>
                   <a:schemeClr val="bg1"/>
                 </a:solidFill>
@@ -7880,7 +7844,7 @@
               <a:t>Veranstaltungsort</a:t>
             </a:r>
             <a:r>
-              <a:rPr lang="en-GB" sz="1600" dirty="0">
+              <a:rPr lang="en-GB" i="1" dirty="0">
                 <a:solidFill>
                   <a:schemeClr val="bg1"/>
                 </a:solidFill>
@@ -7892,7 +7856,7 @@
           </a:p>
           <a:p>
             <a:r>
-              <a:rPr lang="en-GB" b="1" dirty="0">
+              <a:rPr lang="en-GB" sz="2000" b="1" dirty="0">
                 <a:solidFill>
                   <a:schemeClr val="bg1"/>
                 </a:solidFill>
